--- a/docs/userapi/DesignApps.pptx
+++ b/docs/userapi/DesignApps.pptx
@@ -3801,7 +3801,7 @@
           <p:nvPr>
             <p:extLst>
               <p:ext uri="{D42A27DB-BD31-4B8C-83A1-F6EECF244321}">
-                <p14:modId xmlns:p14="http://schemas.microsoft.com/office/powerpoint/2010/main" val="3080534742"/>
+                <p14:modId xmlns:p14="http://schemas.microsoft.com/office/powerpoint/2010/main" val="1209056920"/>
               </p:ext>
             </p:extLst>
           </p:nvPr>
@@ -3879,7 +3879,7 @@
                       </a:r>
                       <a:r>
                         <a:rPr lang="en-US" sz="1200" dirty="0" smtClean="0"/>
-                        <a:t>(100)</a:t>
+                        <a:t>(255)</a:t>
                       </a:r>
                       <a:endParaRPr lang="en-US" sz="1200" dirty="0"/>
                     </a:p>
@@ -3914,7 +3914,7 @@
                       </a:r>
                       <a:r>
                         <a:rPr lang="en-US" sz="1200" dirty="0" smtClean="0"/>
-                        <a:t>(50)</a:t>
+                        <a:t>(255)</a:t>
                       </a:r>
                       <a:endParaRPr lang="en-US" sz="1200" dirty="0"/>
                     </a:p>
@@ -5342,7 +5342,7 @@
           <p:nvPr>
             <p:extLst>
               <p:ext uri="{D42A27DB-BD31-4B8C-83A1-F6EECF244321}">
-                <p14:modId xmlns:p14="http://schemas.microsoft.com/office/powerpoint/2010/main" val="4216571444"/>
+                <p14:modId xmlns:p14="http://schemas.microsoft.com/office/powerpoint/2010/main" val="1214100647"/>
               </p:ext>
             </p:extLst>
           </p:nvPr>
@@ -5420,7 +5420,7 @@
                       </a:r>
                       <a:r>
                         <a:rPr lang="en-US" sz="1200" dirty="0" smtClean="0"/>
-                        <a:t>(100)</a:t>
+                        <a:t>(255)</a:t>
                       </a:r>
                       <a:endParaRPr lang="en-US" sz="1200" dirty="0"/>
                     </a:p>
@@ -6660,7 +6660,7 @@
           <p:nvPr>
             <p:extLst>
               <p:ext uri="{D42A27DB-BD31-4B8C-83A1-F6EECF244321}">
-                <p14:modId xmlns:p14="http://schemas.microsoft.com/office/powerpoint/2010/main" val="800423661"/>
+                <p14:modId xmlns:p14="http://schemas.microsoft.com/office/powerpoint/2010/main" val="2327499190"/>
               </p:ext>
             </p:extLst>
           </p:nvPr>
@@ -6738,7 +6738,7 @@
                       </a:r>
                       <a:r>
                         <a:rPr lang="en-US" sz="1200" dirty="0" smtClean="0"/>
-                        <a:t>(100)</a:t>
+                        <a:t>(255)</a:t>
                       </a:r>
                       <a:endParaRPr lang="en-US" sz="1200" dirty="0"/>
                     </a:p>
@@ -6773,7 +6773,7 @@
                       </a:r>
                       <a:r>
                         <a:rPr lang="en-US" sz="1200" dirty="0" smtClean="0"/>
-                        <a:t>(45)</a:t>
+                        <a:t>(255)</a:t>
                       </a:r>
                       <a:endParaRPr lang="en-US" sz="1200" dirty="0"/>
                     </a:p>
@@ -7029,14 +7029,14 @@
           <p:nvPr>
             <p:extLst>
               <p:ext uri="{D42A27DB-BD31-4B8C-83A1-F6EECF244321}">
-                <p14:modId xmlns:p14="http://schemas.microsoft.com/office/powerpoint/2010/main" val="3241923937"/>
+                <p14:modId xmlns:p14="http://schemas.microsoft.com/office/powerpoint/2010/main" val="3210117786"/>
               </p:ext>
             </p:extLst>
           </p:nvPr>
         </p:nvGraphicFramePr>
         <p:xfrm>
           <a:off x="105293" y="5162532"/>
-          <a:ext cx="6592717" cy="2987818"/>
+          <a:ext cx="6592717" cy="3688858"/>
         </p:xfrm>
         <a:graphic>
           <a:graphicData uri="http://schemas.openxmlformats.org/drawingml/2006/table">
@@ -7256,6 +7256,55 @@
                       <a:r>
                         <a:rPr kumimoji="1" lang="en-US" altLang="ja-JP" sz="1000" b="0" baseline="0" dirty="0" smtClean="0"/>
                         <a:t> the user’s password again. Check the similarity to the password. Show the result in status.</a:t>
+                      </a:r>
+                      <a:endParaRPr kumimoji="1" lang="en-US" altLang="ja-JP" sz="1000" b="0" dirty="0" smtClean="0"/>
+                    </a:p>
+                  </a:txBody>
+                  <a:tcPr marL="104503" marR="104503"/>
+                </a:tc>
+              </a:tr>
+              <a:tr h="701040">
+                <a:tc>
+                  <a:txBody>
+                    <a:bodyPr/>
+                    <a:lstStyle/>
+                    <a:p>
+                      <a:pPr algn="ctr"/>
+                      <a:r>
+                        <a:rPr kumimoji="1" lang="en-US" altLang="ja-JP" sz="1000" b="0" dirty="0" smtClean="0"/>
+                        <a:t>#4</a:t>
+                      </a:r>
+                      <a:endParaRPr kumimoji="1" lang="ja-JP" altLang="en-US" sz="1000" b="0" dirty="0"/>
+                    </a:p>
+                  </a:txBody>
+                  <a:tcPr marL="104503" marR="104503" anchor="ctr"/>
+                </a:tc>
+                <a:tc>
+                  <a:txBody>
+                    <a:bodyPr/>
+                    <a:lstStyle/>
+                    <a:p>
+                      <a:r>
+                        <a:rPr kumimoji="1" lang="en-US" altLang="ja-JP" sz="1000" b="0" dirty="0" smtClean="0"/>
+                        <a:t>Status</a:t>
+                      </a:r>
+                      <a:endParaRPr kumimoji="1" lang="ja-JP" altLang="en-US" sz="1000" b="0" dirty="0"/>
+                    </a:p>
+                  </a:txBody>
+                  <a:tcPr marL="104503" marR="104503" anchor="ctr"/>
+                </a:tc>
+                <a:tc>
+                  <a:txBody>
+                    <a:bodyPr/>
+                    <a:lstStyle/>
+                    <a:p>
+                      <a:r>
+                        <a:rPr kumimoji="1" lang="en-US" altLang="ja-JP" sz="1000" b="0" dirty="0" smtClean="0"/>
+                        <a:t>Show the status such as</a:t>
+                      </a:r>
+                      <a:r>
+                        <a:rPr kumimoji="1" lang="en-US" altLang="ja-JP" sz="1000" b="0" baseline="0" dirty="0" smtClean="0"/>
+                        <a:t> the complexity of password is accepted or not, the email is existed in the database and so forth.</a:t>
                       </a:r>
                       <a:endParaRPr kumimoji="1" lang="en-US" altLang="ja-JP" sz="1000" b="0" dirty="0" smtClean="0"/>
                     </a:p>
